--- a/pet_connect new.pptx
+++ b/pet_connect new.pptx
@@ -7034,7 +7034,7 @@
         </p:nvSpPr>
         <p:spPr>
           <a:xfrm>
-            <a:off x="1951990" y="1682750"/>
+            <a:off x="1344295" y="1295400"/>
             <a:ext cx="10668000" cy="4178300"/>
           </a:xfrm>
           <a:prstGeom prst="rect">
@@ -7345,6 +7345,55 @@
               <a:ea typeface="Cambria" panose="02040503050406030204" pitchFamily="18" charset="0"/>
             </a:endParaRPr>
           </a:p>
+          <a:p>
+            <a:pPr marL="342900" indent="-190500" algn="just">
+              <a:spcBef>
+                <a:spcPts val="0"/>
+              </a:spcBef>
+              <a:buSzPct val="100000"/>
+              <a:buFont typeface="Arial" panose="020B0604020202020204"/>
+              <a:buNone/>
+            </a:pPr>
+            <a:endParaRPr lang="en-US" altLang="en-US" sz="2800" dirty="0">
+              <a:latin typeface="Cambria" panose="02040503050406030204" pitchFamily="18" charset="0"/>
+              <a:ea typeface="Cambria" panose="02040503050406030204" pitchFamily="18" charset="0"/>
+            </a:endParaRPr>
+          </a:p>
+          <a:p>
+            <a:pPr marL="342900" indent="-190500" algn="just">
+              <a:spcBef>
+                <a:spcPts val="0"/>
+              </a:spcBef>
+              <a:buSzPct val="100000"/>
+              <a:buFont typeface="Arial" panose="020B0604020202020204"/>
+              <a:buNone/>
+            </a:pPr>
+            <a:endParaRPr lang="en-US" altLang="en-US" sz="2800" dirty="0">
+              <a:latin typeface="Cambria" panose="02040503050406030204" pitchFamily="18" charset="0"/>
+              <a:ea typeface="Cambria" panose="02040503050406030204" pitchFamily="18" charset="0"/>
+            </a:endParaRPr>
+          </a:p>
+          <a:p>
+            <a:pPr marL="342900" indent="-190500" algn="just">
+              <a:spcBef>
+                <a:spcPts val="0"/>
+              </a:spcBef>
+              <a:buSzPct val="100000"/>
+              <a:buFont typeface="Arial" panose="020B0604020202020204"/>
+              <a:buNone/>
+            </a:pPr>
+            <a:r>
+              <a:rPr lang="en-US" altLang="en-US" sz="2800" dirty="0">
+                <a:latin typeface="Cambria" panose="02040503050406030204" pitchFamily="18" charset="0"/>
+                <a:ea typeface="Cambria" panose="02040503050406030204" pitchFamily="18" charset="0"/>
+              </a:rPr>
+              <a:t>https://github.com/tanuj-4408/PET_CONNECT/blob/main/pet_connect%20new.pptx</a:t>
+            </a:r>
+            <a:endParaRPr lang="en-US" altLang="en-US" sz="2800" dirty="0">
+              <a:latin typeface="Cambria" panose="02040503050406030204" pitchFamily="18" charset="0"/>
+              <a:ea typeface="Cambria" panose="02040503050406030204" pitchFamily="18" charset="0"/>
+            </a:endParaRPr>
+          </a:p>
         </p:txBody>
       </p:sp>
     </p:spTree>
@@ -7460,7 +7509,7 @@
                 <a:latin typeface="Cambria" panose="02040503050406030204" pitchFamily="18" charset="0"/>
                 <a:ea typeface="Cambria" panose="02040503050406030204" pitchFamily="18" charset="0"/>
               </a:rPr>
-              <a:t>J. H. Andrews, "Scalable Web Architecture for Modern Applications," Journal of Web Engineering, vol. 15, no. 4, pp. 341–356, 2023.</a:t>
+              <a:t>https://www.francis-press.com/uploads/papers/xLARC9ZeTWEJ9HYTJq6ckf0rTd26ARjCwBEG2WMB.pdf</a:t>
             </a:r>
             <a:endParaRPr lang="en-US" altLang="en-US" sz="2000" dirty="0">
               <a:latin typeface="Cambria" panose="02040503050406030204" pitchFamily="18" charset="0"/>
@@ -7489,13 +7538,27 @@
               <a:buNone/>
             </a:pPr>
             <a:r>
+              <a:rPr lang="en-IN" altLang="en-US" sz="2000" dirty="0">
+                <a:latin typeface="Cambria" panose="02040503050406030204" pitchFamily="18" charset="0"/>
+                <a:ea typeface="Cambria" panose="02040503050406030204" pitchFamily="18" charset="0"/>
+              </a:rPr>
+              <a:t> </a:t>
+            </a:r>
+            <a:r>
               <a:rPr lang="en-US" altLang="en-US" sz="2000" dirty="0">
                 <a:latin typeface="Cambria" panose="02040503050406030204" pitchFamily="18" charset="0"/>
                 <a:ea typeface="Cambria" panose="02040503050406030204" pitchFamily="18" charset="0"/>
               </a:rPr>
-              <a:t>A. Kumar and S. Patel, "Enhancing E-Commerce Platforms Using Real-Time Data Integration," International Journal of Computer Science and Information Security, vol. 21, no. 2, pp. 123–130, 2024.</a:t>
-            </a:r>
-            <a:endParaRPr lang="en-US" altLang="en-US" sz="2000" dirty="0">
+              <a:t>https://ieeexplore.ieee.org/abstract/document/9144910</a:t>
+            </a:r>
+            <a:r>
+              <a:rPr lang="en-IN" altLang="en-US" sz="2000" dirty="0">
+                <a:latin typeface="Cambria" panose="02040503050406030204" pitchFamily="18" charset="0"/>
+                <a:ea typeface="Cambria" panose="02040503050406030204" pitchFamily="18" charset="0"/>
+              </a:rPr>
+              <a:t>IEEE</a:t>
+            </a:r>
+            <a:endParaRPr lang="en-IN" altLang="en-US" sz="2000" dirty="0">
               <a:latin typeface="Cambria" panose="02040503050406030204" pitchFamily="18" charset="0"/>
               <a:ea typeface="Cambria" panose="02040503050406030204" pitchFamily="18" charset="0"/>
             </a:endParaRPr>
@@ -7508,7 +7571,7 @@
               <a:buFont typeface="Wingdings" panose="05000000000000000000" pitchFamily="2" charset="2"/>
               <a:buNone/>
             </a:pPr>
-            <a:endParaRPr lang="en-US" altLang="en-US" sz="2000" dirty="0">
+            <a:endParaRPr lang="en-IN" altLang="en-US" sz="2000" dirty="0">
               <a:latin typeface="Cambria" panose="02040503050406030204" pitchFamily="18" charset="0"/>
               <a:ea typeface="Cambria" panose="02040503050406030204" pitchFamily="18" charset="0"/>
             </a:endParaRPr>
@@ -7526,61 +7589,9 @@
                 <a:latin typeface="Cambria" panose="02040503050406030204" pitchFamily="18" charset="0"/>
                 <a:ea typeface="Cambria" panose="02040503050406030204" pitchFamily="18" charset="0"/>
               </a:rPr>
-              <a:t>M. Johnson, "The Impact of Location-Based Services on Customer Engagement," IEEE Transactions on Consumer Electronics, vol. 70, no. 1, pp. 45–52, 2024.</a:t>
+              <a:t>https://www.indianjournals.com/ijor.aspx?target=ijor:ijemr&amp;volume=12&amp;issue=5&amp;article=019</a:t>
             </a:r>
             <a:endParaRPr lang="en-US" altLang="en-US" sz="2000" dirty="0">
-              <a:latin typeface="Cambria" panose="02040503050406030204" pitchFamily="18" charset="0"/>
-              <a:ea typeface="Cambria" panose="02040503050406030204" pitchFamily="18" charset="0"/>
-            </a:endParaRPr>
-          </a:p>
-          <a:p>
-            <a:pPr marL="152400" indent="0">
-              <a:spcBef>
-                <a:spcPts val="0"/>
-              </a:spcBef>
-              <a:buFont typeface="Wingdings" panose="05000000000000000000" pitchFamily="2" charset="2"/>
-              <a:buNone/>
-            </a:pPr>
-            <a:endParaRPr lang="en-US" altLang="en-US" sz="2000" dirty="0">
-              <a:latin typeface="Cambria" panose="02040503050406030204" pitchFamily="18" charset="0"/>
-              <a:ea typeface="Cambria" panose="02040503050406030204" pitchFamily="18" charset="0"/>
-            </a:endParaRPr>
-          </a:p>
-          <a:p>
-            <a:pPr marL="152400" indent="0">
-              <a:spcBef>
-                <a:spcPts val="0"/>
-              </a:spcBef>
-              <a:buFont typeface="Wingdings" panose="05000000000000000000" pitchFamily="2" charset="2"/>
-              <a:buNone/>
-            </a:pPr>
-            <a:r>
-              <a:rPr lang="en-US" altLang="en-US" sz="2000" dirty="0">
-                <a:latin typeface="Cambria" panose="02040503050406030204" pitchFamily="18" charset="0"/>
-                <a:ea typeface="Cambria" panose="02040503050406030204" pitchFamily="18" charset="0"/>
-              </a:rPr>
-              <a:t>P. Smith and R. Doe, "Security Challenges in Online Payment Systems," IEEE Access, vol. 11, pp. 10567–10580, 2024.</a:t>
-            </a:r>
-            <a:endParaRPr lang="en-US" altLang="en-US" sz="2000" dirty="0">
-              <a:latin typeface="Cambria" panose="02040503050406030204" pitchFamily="18" charset="0"/>
-              <a:ea typeface="Cambria" panose="02040503050406030204" pitchFamily="18" charset="0"/>
-            </a:endParaRPr>
-          </a:p>
-          <a:p>
-            <a:pPr marL="152400" indent="0">
-              <a:spcBef>
-                <a:spcPts val="0"/>
-              </a:spcBef>
-              <a:buNone/>
-            </a:pPr>
-            <a:r>
-              <a:rPr lang="en-US" sz="2000" dirty="0">
-                <a:latin typeface="Cambria" panose="02040503050406030204" pitchFamily="18" charset="0"/>
-                <a:ea typeface="Cambria" panose="02040503050406030204" pitchFamily="18" charset="0"/>
-              </a:rPr>
-              <a:t> </a:t>
-            </a:r>
-            <a:endParaRPr sz="2000" dirty="0">
               <a:latin typeface="Cambria" panose="02040503050406030204" pitchFamily="18" charset="0"/>
               <a:ea typeface="Cambria" panose="02040503050406030204" pitchFamily="18" charset="0"/>
             </a:endParaRPr>
